--- a/.gitbook/assets/chapter-04-3-kor.pptx
+++ b/.gitbook/assets/chapter-04-3-kor.pptx
@@ -609,7 +609,7 @@
               <a:pPr>
                 <a:defRPr/>
               </a:pPr>
-              <a:t>2020-01-08</a:t>
+              <a:t>2020-01-11</a:t>
             </a:fld>
             <a:endParaRPr lang="ko-KR" altLang="en-US"/>
           </a:p>
@@ -1066,36 +1066,6 @@
           </a:p>
         </p:txBody>
       </p:sp>
-      <p:pic>
-        <p:nvPicPr>
-          <p:cNvPr id="8" name="그림 7"/>
-          <p:cNvPicPr>
-            <a:picLocks noChangeAspect="1"/>
-          </p:cNvPicPr>
-          <p:nvPr userDrawn="1"/>
-        </p:nvPicPr>
-        <p:blipFill>
-          <a:blip r:embed="rId2" cstate="print">
-            <a:extLst>
-              <a:ext uri="{28A0092B-C50C-407E-A947-70E740481C1C}">
-                <a14:useLocalDpi xmlns:a14="http://schemas.microsoft.com/office/drawing/2010/main" val="0"/>
-              </a:ext>
-            </a:extLst>
-          </a:blip>
-          <a:stretch>
-            <a:fillRect/>
-          </a:stretch>
-        </p:blipFill>
-        <p:spPr>
-          <a:xfrm>
-            <a:off x="-108520" y="143635"/>
-            <a:ext cx="2255525" cy="1146050"/>
-          </a:xfrm>
-          <a:prstGeom prst="rect">
-            <a:avLst/>
-          </a:prstGeom>
-        </p:spPr>
-      </p:pic>
       <p:sp>
         <p:nvSpPr>
           <p:cNvPr id="71" name="정오각형 70"/>
@@ -1865,7 +1835,7 @@
               <a:pPr>
                 <a:defRPr/>
               </a:pPr>
-              <a:t>Wednesday, January 8, 2020</a:t>
+              <a:t>Saturday, January 11, 2020</a:t>
             </a:fld>
             <a:endParaRPr lang="en-US" dirty="0"/>
           </a:p>
@@ -2058,7 +2028,7 @@
               <a:pPr>
                 <a:defRPr/>
               </a:pPr>
-              <a:t>Wednesday, January 8, 2020</a:t>
+              <a:t>Saturday, January 11, 2020</a:t>
             </a:fld>
             <a:endParaRPr lang="en-US"/>
           </a:p>
@@ -2168,7 +2138,7 @@
               <a:pPr>
                 <a:defRPr/>
               </a:pPr>
-              <a:t>Wednesday, January 8, 2020</a:t>
+              <a:t>Saturday, January 11, 2020</a:t>
             </a:fld>
             <a:endParaRPr lang="en-US" dirty="0"/>
           </a:p>
@@ -2528,7 +2498,7 @@
               <a:pPr>
                 <a:defRPr/>
               </a:pPr>
-              <a:t>Wednesday, January 8, 2020</a:t>
+              <a:t>Saturday, January 11, 2020</a:t>
             </a:fld>
             <a:endParaRPr lang="en-US"/>
           </a:p>
@@ -2828,7 +2798,7 @@
               <a:pPr>
                 <a:defRPr/>
               </a:pPr>
-              <a:t>Wednesday, January 8, 2020</a:t>
+              <a:t>Saturday, January 11, 2020</a:t>
             </a:fld>
             <a:endParaRPr lang="en-US"/>
           </a:p>
@@ -3262,7 +3232,7 @@
               <a:pPr>
                 <a:defRPr/>
               </a:pPr>
-              <a:t>Wednesday, January 8, 2020</a:t>
+              <a:t>Saturday, January 11, 2020</a:t>
             </a:fld>
             <a:endParaRPr lang="en-US"/>
           </a:p>
@@ -3394,7 +3364,7 @@
               <a:pPr>
                 <a:defRPr/>
               </a:pPr>
-              <a:t>Wednesday, January 8, 2020</a:t>
+              <a:t>Saturday, January 11, 2020</a:t>
             </a:fld>
             <a:endParaRPr lang="en-US" dirty="0"/>
           </a:p>
@@ -3504,7 +3474,7 @@
               <a:pPr>
                 <a:defRPr/>
               </a:pPr>
-              <a:t>Wednesday, January 8, 2020</a:t>
+              <a:t>Saturday, January 11, 2020</a:t>
             </a:fld>
             <a:endParaRPr lang="en-US"/>
           </a:p>
@@ -3794,7 +3764,7 @@
               <a:pPr>
                 <a:defRPr/>
               </a:pPr>
-              <a:t>Wednesday, January 8, 2020</a:t>
+              <a:t>Saturday, January 11, 2020</a:t>
             </a:fld>
             <a:endParaRPr lang="en-US" dirty="0"/>
           </a:p>
@@ -4061,7 +4031,7 @@
               <a:pPr>
                 <a:defRPr/>
               </a:pPr>
-              <a:t>Wednesday, January 8, 2020</a:t>
+              <a:t>Saturday, January 11, 2020</a:t>
             </a:fld>
             <a:endParaRPr lang="en-US"/>
           </a:p>
@@ -4354,7 +4324,7 @@
               <a:pPr>
                 <a:defRPr/>
               </a:pPr>
-              <a:t>Wednesday, January 8, 2020</a:t>
+              <a:t>Saturday, January 11, 2020</a:t>
             </a:fld>
             <a:endParaRPr lang="en-US" dirty="0"/>
           </a:p>
@@ -4503,8 +4473,8 @@
         </p:nvSpPr>
         <p:spPr bwMode="auto">
           <a:xfrm>
-            <a:off x="8397425" y="6489340"/>
-            <a:ext cx="569387" cy="261610"/>
+            <a:off x="8413455" y="6489340"/>
+            <a:ext cx="553357" cy="253916"/>
           </a:xfrm>
           <a:prstGeom prst="rect">
             <a:avLst/>
@@ -4659,12 +4629,16 @@
               <a:t>‹#›</a:t>
             </a:fld>
             <a:r>
-              <a:rPr lang="en-US" altLang="ko-KR" sz="1050" dirty="0">
+              <a:rPr lang="en-US" altLang="ko-KR" sz="1050" dirty="0" smtClean="0">
                 <a:latin typeface="+mn-ea"/>
                 <a:ea typeface="+mn-ea"/>
               </a:rPr>
-              <a:t>/31</a:t>
-            </a:r>
+              <a:t>/23</a:t>
+            </a:r>
+            <a:endParaRPr lang="en-US" altLang="ko-KR" sz="1050" dirty="0">
+              <a:latin typeface="+mn-ea"/>
+              <a:ea typeface="+mn-ea"/>
+            </a:endParaRPr>
           </a:p>
         </p:txBody>
       </p:sp>
@@ -5895,7 +5869,7 @@
           <a:graphicData uri="http://schemas.openxmlformats.org/presentationml/2006/ole">
             <mc:AlternateContent xmlns:mc="http://schemas.openxmlformats.org/markup-compatibility/2006">
               <mc:Choice xmlns:v="urn:schemas-microsoft-com:vml" Requires="v">
-                <p:oleObj spid="_x0000_s5122" name="Equation" r:id="rId6" imgW="1955520" imgH="342720" progId="Equation.DSMT4">
+                <p:oleObj spid="_x0000_s5123" name="Equation" r:id="rId6" imgW="1955520" imgH="342720" progId="Equation.DSMT4">
                   <p:embed/>
                 </p:oleObj>
               </mc:Choice>
@@ -6436,7 +6410,7 @@
           <a:graphicData uri="http://schemas.openxmlformats.org/presentationml/2006/ole">
             <mc:AlternateContent xmlns:mc="http://schemas.openxmlformats.org/markup-compatibility/2006">
               <mc:Choice xmlns:v="urn:schemas-microsoft-com:vml" Requires="v">
-                <p:oleObj spid="_x0000_s6146" name="Equation" r:id="rId3" imgW="876240" imgH="342720" progId="Equation.DSMT4">
+                <p:oleObj spid="_x0000_s6148" name="Equation" r:id="rId3" imgW="876240" imgH="342720" progId="Equation.DSMT4">
                   <p:embed/>
                 </p:oleObj>
               </mc:Choice>
@@ -6525,7 +6499,7 @@
           <a:graphicData uri="http://schemas.openxmlformats.org/presentationml/2006/ole">
             <mc:AlternateContent xmlns:mc="http://schemas.openxmlformats.org/markup-compatibility/2006">
               <mc:Choice xmlns:v="urn:schemas-microsoft-com:vml" Requires="v">
-                <p:oleObj spid="_x0000_s6147" name="Equation" r:id="rId5" imgW="2006280" imgH="736560" progId="Equation.DSMT4">
+                <p:oleObj spid="_x0000_s6149" name="Equation" r:id="rId5" imgW="2006280" imgH="736560" progId="Equation.DSMT4">
                   <p:embed/>
                 </p:oleObj>
               </mc:Choice>
@@ -7791,7 +7765,7 @@
           <a:graphicData uri="http://schemas.openxmlformats.org/presentationml/2006/ole">
             <mc:AlternateContent xmlns:mc="http://schemas.openxmlformats.org/markup-compatibility/2006">
               <mc:Choice xmlns:v="urn:schemas-microsoft-com:vml" Requires="v">
-                <p:oleObj spid="_x0000_s7170" name="Equation" r:id="rId3" imgW="850680" imgH="342720" progId="Equation.DSMT4">
+                <p:oleObj spid="_x0000_s7173" name="Equation" r:id="rId3" imgW="850680" imgH="342720" progId="Equation.DSMT4">
                   <p:embed/>
                 </p:oleObj>
               </mc:Choice>
@@ -7874,7 +7848,7 @@
           <a:graphicData uri="http://schemas.openxmlformats.org/presentationml/2006/ole">
             <mc:AlternateContent xmlns:mc="http://schemas.openxmlformats.org/markup-compatibility/2006">
               <mc:Choice xmlns:v="urn:schemas-microsoft-com:vml" Requires="v">
-                <p:oleObj spid="_x0000_s7171" name="Equation" r:id="rId5" imgW="838080" imgH="342720" progId="Equation.DSMT4">
+                <p:oleObj spid="_x0000_s7174" name="Equation" r:id="rId5" imgW="838080" imgH="342720" progId="Equation.DSMT4">
                   <p:embed/>
                 </p:oleObj>
               </mc:Choice>
@@ -7957,7 +7931,7 @@
           <a:graphicData uri="http://schemas.openxmlformats.org/presentationml/2006/ole">
             <mc:AlternateContent xmlns:mc="http://schemas.openxmlformats.org/markup-compatibility/2006">
               <mc:Choice xmlns:v="urn:schemas-microsoft-com:vml" Requires="v">
-                <p:oleObj spid="_x0000_s7172" name="Equation" r:id="rId7" imgW="825480" imgH="342720" progId="Equation.DSMT4">
+                <p:oleObj spid="_x0000_s7175" name="Equation" r:id="rId7" imgW="825480" imgH="342720" progId="Equation.DSMT4">
                   <p:embed/>
                 </p:oleObj>
               </mc:Choice>
@@ -8652,7 +8626,7 @@
           <a:graphicData uri="http://schemas.openxmlformats.org/presentationml/2006/ole">
             <mc:AlternateContent xmlns:mc="http://schemas.openxmlformats.org/markup-compatibility/2006">
               <mc:Choice xmlns:v="urn:schemas-microsoft-com:vml" Requires="v">
-                <p:oleObj spid="_x0000_s8194" name="Equation" r:id="rId3" imgW="1612800" imgH="342720" progId="Equation.DSMT4">
+                <p:oleObj spid="_x0000_s8195" name="Equation" r:id="rId3" imgW="1612800" imgH="342720" progId="Equation.DSMT4">
                   <p:embed/>
                 </p:oleObj>
               </mc:Choice>
@@ -9500,7 +9474,7 @@
           <a:graphicData uri="http://schemas.openxmlformats.org/presentationml/2006/ole">
             <mc:AlternateContent xmlns:mc="http://schemas.openxmlformats.org/markup-compatibility/2006">
               <mc:Choice xmlns:v="urn:schemas-microsoft-com:vml" Requires="v">
-                <p:oleObj spid="_x0000_s9218" name="Equation" r:id="rId3" imgW="1244520" imgH="342720" progId="Equation.DSMT4">
+                <p:oleObj spid="_x0000_s9219" name="Equation" r:id="rId3" imgW="1244520" imgH="342720" progId="Equation.DSMT4">
                   <p:embed/>
                 </p:oleObj>
               </mc:Choice>
@@ -10391,6 +10365,10 @@
               <a:rPr kumimoji="0" lang="ko-KR" altLang="en-US" dirty="0"/>
               <a:t>장</a:t>
             </a:r>
+            <a:r>
+              <a:rPr kumimoji="0" lang="en-US" altLang="ko-KR" dirty="0"/>
+              <a:t/>
+            </a:r>
             <a:br>
               <a:rPr kumimoji="0" lang="en-US" altLang="ko-KR" dirty="0"/>
             </a:br>
@@ -13923,7 +13901,7 @@
           <a:graphicData uri="http://schemas.openxmlformats.org/presentationml/2006/ole">
             <mc:AlternateContent xmlns:mc="http://schemas.openxmlformats.org/markup-compatibility/2006">
               <mc:Choice xmlns:v="urn:schemas-microsoft-com:vml" Requires="v">
-                <p:oleObj spid="_x0000_s1026" name="Equation" r:id="rId5" imgW="1434960" imgH="342720" progId="Equation.DSMT4">
+                <p:oleObj spid="_x0000_s1027" name="Equation" r:id="rId5" imgW="1434960" imgH="342720" progId="Equation.DSMT4">
                   <p:embed/>
                 </p:oleObj>
               </mc:Choice>
@@ -14637,7 +14615,7 @@
           <a:graphicData uri="http://schemas.openxmlformats.org/presentationml/2006/ole">
             <mc:AlternateContent xmlns:mc="http://schemas.openxmlformats.org/markup-compatibility/2006">
               <mc:Choice xmlns:v="urn:schemas-microsoft-com:vml" Requires="v">
-                <p:oleObj spid="_x0000_s2050" name="Equation" r:id="rId3" imgW="1485720" imgH="342720" progId="Equation.DSMT4">
+                <p:oleObj spid="_x0000_s2051" name="Equation" r:id="rId3" imgW="1485720" imgH="342720" progId="Equation.DSMT4">
                   <p:embed/>
                 </p:oleObj>
               </mc:Choice>
@@ -14916,7 +14894,7 @@
           <a:graphicData uri="http://schemas.openxmlformats.org/presentationml/2006/ole">
             <mc:AlternateContent xmlns:mc="http://schemas.openxmlformats.org/markup-compatibility/2006">
               <mc:Choice xmlns:v="urn:schemas-microsoft-com:vml" Requires="v">
-                <p:oleObj spid="_x0000_s3074" name="Equation" r:id="rId4" imgW="1473120" imgH="342720" progId="Equation.DSMT4">
+                <p:oleObj spid="_x0000_s3075" name="Equation" r:id="rId4" imgW="1473120" imgH="342720" progId="Equation.DSMT4">
                   <p:embed/>
                 </p:oleObj>
               </mc:Choice>
@@ -15962,7 +15940,7 @@
           <a:graphicData uri="http://schemas.openxmlformats.org/presentationml/2006/ole">
             <mc:AlternateContent xmlns:mc="http://schemas.openxmlformats.org/markup-compatibility/2006">
               <mc:Choice xmlns:v="urn:schemas-microsoft-com:vml" Requires="v">
-                <p:oleObj spid="_x0000_s4098" name="Equation" r:id="rId3" imgW="1777680" imgH="342720" progId="Equation.DSMT4">
+                <p:oleObj spid="_x0000_s4101" name="Equation" r:id="rId3" imgW="1777680" imgH="342720" progId="Equation.DSMT4">
                   <p:embed/>
                 </p:oleObj>
               </mc:Choice>
@@ -16019,7 +15997,7 @@
           <a:graphicData uri="http://schemas.openxmlformats.org/presentationml/2006/ole">
             <mc:AlternateContent xmlns:mc="http://schemas.openxmlformats.org/markup-compatibility/2006">
               <mc:Choice xmlns:v="urn:schemas-microsoft-com:vml" Requires="v">
-                <p:oleObj spid="_x0000_s4099" name="Equation" r:id="rId5" imgW="1777680" imgH="342720" progId="Equation.DSMT4">
+                <p:oleObj spid="_x0000_s4102" name="Equation" r:id="rId5" imgW="1777680" imgH="342720" progId="Equation.DSMT4">
                   <p:embed/>
                 </p:oleObj>
               </mc:Choice>
@@ -16083,7 +16061,7 @@
           <a:graphicData uri="http://schemas.openxmlformats.org/presentationml/2006/ole">
             <mc:AlternateContent xmlns:mc="http://schemas.openxmlformats.org/markup-compatibility/2006">
               <mc:Choice xmlns:v="urn:schemas-microsoft-com:vml" Requires="v">
-                <p:oleObj spid="_x0000_s4100" name="Equation" r:id="rId7" imgW="1777680" imgH="342720" progId="Equation.DSMT4">
+                <p:oleObj spid="_x0000_s4103" name="Equation" r:id="rId7" imgW="1777680" imgH="342720" progId="Equation.DSMT4">
                   <p:embed/>
                 </p:oleObj>
               </mc:Choice>

--- a/.gitbook/assets/chapter-04-3-kor.pptx
+++ b/.gitbook/assets/chapter-04-3-kor.pptx
@@ -609,7 +609,7 @@
               <a:pPr>
                 <a:defRPr/>
               </a:pPr>
-              <a:t>2020-01-11</a:t>
+              <a:t>2020-01-08</a:t>
             </a:fld>
             <a:endParaRPr lang="ko-KR" altLang="en-US"/>
           </a:p>
@@ -1066,6 +1066,36 @@
           </a:p>
         </p:txBody>
       </p:sp>
+      <p:pic>
+        <p:nvPicPr>
+          <p:cNvPr id="8" name="그림 7"/>
+          <p:cNvPicPr>
+            <a:picLocks noChangeAspect="1"/>
+          </p:cNvPicPr>
+          <p:nvPr userDrawn="1"/>
+        </p:nvPicPr>
+        <p:blipFill>
+          <a:blip r:embed="rId2" cstate="print">
+            <a:extLst>
+              <a:ext uri="{28A0092B-C50C-407E-A947-70E740481C1C}">
+                <a14:useLocalDpi xmlns:a14="http://schemas.microsoft.com/office/drawing/2010/main" val="0"/>
+              </a:ext>
+            </a:extLst>
+          </a:blip>
+          <a:stretch>
+            <a:fillRect/>
+          </a:stretch>
+        </p:blipFill>
+        <p:spPr>
+          <a:xfrm>
+            <a:off x="-108520" y="143635"/>
+            <a:ext cx="2255525" cy="1146050"/>
+          </a:xfrm>
+          <a:prstGeom prst="rect">
+            <a:avLst/>
+          </a:prstGeom>
+        </p:spPr>
+      </p:pic>
       <p:sp>
         <p:nvSpPr>
           <p:cNvPr id="71" name="정오각형 70"/>
@@ -1835,7 +1865,7 @@
               <a:pPr>
                 <a:defRPr/>
               </a:pPr>
-              <a:t>Saturday, January 11, 2020</a:t>
+              <a:t>Wednesday, January 8, 2020</a:t>
             </a:fld>
             <a:endParaRPr lang="en-US" dirty="0"/>
           </a:p>
@@ -2028,7 +2058,7 @@
               <a:pPr>
                 <a:defRPr/>
               </a:pPr>
-              <a:t>Saturday, January 11, 2020</a:t>
+              <a:t>Wednesday, January 8, 2020</a:t>
             </a:fld>
             <a:endParaRPr lang="en-US"/>
           </a:p>
@@ -2138,7 +2168,7 @@
               <a:pPr>
                 <a:defRPr/>
               </a:pPr>
-              <a:t>Saturday, January 11, 2020</a:t>
+              <a:t>Wednesday, January 8, 2020</a:t>
             </a:fld>
             <a:endParaRPr lang="en-US" dirty="0"/>
           </a:p>
@@ -2498,7 +2528,7 @@
               <a:pPr>
                 <a:defRPr/>
               </a:pPr>
-              <a:t>Saturday, January 11, 2020</a:t>
+              <a:t>Wednesday, January 8, 2020</a:t>
             </a:fld>
             <a:endParaRPr lang="en-US"/>
           </a:p>
@@ -2798,7 +2828,7 @@
               <a:pPr>
                 <a:defRPr/>
               </a:pPr>
-              <a:t>Saturday, January 11, 2020</a:t>
+              <a:t>Wednesday, January 8, 2020</a:t>
             </a:fld>
             <a:endParaRPr lang="en-US"/>
           </a:p>
@@ -3232,7 +3262,7 @@
               <a:pPr>
                 <a:defRPr/>
               </a:pPr>
-              <a:t>Saturday, January 11, 2020</a:t>
+              <a:t>Wednesday, January 8, 2020</a:t>
             </a:fld>
             <a:endParaRPr lang="en-US"/>
           </a:p>
@@ -3364,7 +3394,7 @@
               <a:pPr>
                 <a:defRPr/>
               </a:pPr>
-              <a:t>Saturday, January 11, 2020</a:t>
+              <a:t>Wednesday, January 8, 2020</a:t>
             </a:fld>
             <a:endParaRPr lang="en-US" dirty="0"/>
           </a:p>
@@ -3474,7 +3504,7 @@
               <a:pPr>
                 <a:defRPr/>
               </a:pPr>
-              <a:t>Saturday, January 11, 2020</a:t>
+              <a:t>Wednesday, January 8, 2020</a:t>
             </a:fld>
             <a:endParaRPr lang="en-US"/>
           </a:p>
@@ -3764,7 +3794,7 @@
               <a:pPr>
                 <a:defRPr/>
               </a:pPr>
-              <a:t>Saturday, January 11, 2020</a:t>
+              <a:t>Wednesday, January 8, 2020</a:t>
             </a:fld>
             <a:endParaRPr lang="en-US" dirty="0"/>
           </a:p>
@@ -4031,7 +4061,7 @@
               <a:pPr>
                 <a:defRPr/>
               </a:pPr>
-              <a:t>Saturday, January 11, 2020</a:t>
+              <a:t>Wednesday, January 8, 2020</a:t>
             </a:fld>
             <a:endParaRPr lang="en-US"/>
           </a:p>
@@ -4324,7 +4354,7 @@
               <a:pPr>
                 <a:defRPr/>
               </a:pPr>
-              <a:t>Saturday, January 11, 2020</a:t>
+              <a:t>Wednesday, January 8, 2020</a:t>
             </a:fld>
             <a:endParaRPr lang="en-US" dirty="0"/>
           </a:p>
@@ -4473,8 +4503,8 @@
         </p:nvSpPr>
         <p:spPr bwMode="auto">
           <a:xfrm>
-            <a:off x="8413455" y="6489340"/>
-            <a:ext cx="553357" cy="253916"/>
+            <a:off x="8397425" y="6489340"/>
+            <a:ext cx="569387" cy="261610"/>
           </a:xfrm>
           <a:prstGeom prst="rect">
             <a:avLst/>
@@ -4629,16 +4659,12 @@
               <a:t>‹#›</a:t>
             </a:fld>
             <a:r>
-              <a:rPr lang="en-US" altLang="ko-KR" sz="1050" dirty="0" smtClean="0">
+              <a:rPr lang="en-US" altLang="ko-KR" sz="1050" dirty="0">
                 <a:latin typeface="+mn-ea"/>
                 <a:ea typeface="+mn-ea"/>
               </a:rPr>
-              <a:t>/23</a:t>
-            </a:r>
-            <a:endParaRPr lang="en-US" altLang="ko-KR" sz="1050" dirty="0">
-              <a:latin typeface="+mn-ea"/>
-              <a:ea typeface="+mn-ea"/>
-            </a:endParaRPr>
+              <a:t>/31</a:t>
+            </a:r>
           </a:p>
         </p:txBody>
       </p:sp>
@@ -5869,7 +5895,7 @@
           <a:graphicData uri="http://schemas.openxmlformats.org/presentationml/2006/ole">
             <mc:AlternateContent xmlns:mc="http://schemas.openxmlformats.org/markup-compatibility/2006">
               <mc:Choice xmlns:v="urn:schemas-microsoft-com:vml" Requires="v">
-                <p:oleObj spid="_x0000_s5123" name="Equation" r:id="rId6" imgW="1955520" imgH="342720" progId="Equation.DSMT4">
+                <p:oleObj spid="_x0000_s5122" name="Equation" r:id="rId6" imgW="1955520" imgH="342720" progId="Equation.DSMT4">
                   <p:embed/>
                 </p:oleObj>
               </mc:Choice>
@@ -6410,7 +6436,7 @@
           <a:graphicData uri="http://schemas.openxmlformats.org/presentationml/2006/ole">
             <mc:AlternateContent xmlns:mc="http://schemas.openxmlformats.org/markup-compatibility/2006">
               <mc:Choice xmlns:v="urn:schemas-microsoft-com:vml" Requires="v">
-                <p:oleObj spid="_x0000_s6148" name="Equation" r:id="rId3" imgW="876240" imgH="342720" progId="Equation.DSMT4">
+                <p:oleObj spid="_x0000_s6146" name="Equation" r:id="rId3" imgW="876240" imgH="342720" progId="Equation.DSMT4">
                   <p:embed/>
                 </p:oleObj>
               </mc:Choice>
@@ -6499,7 +6525,7 @@
           <a:graphicData uri="http://schemas.openxmlformats.org/presentationml/2006/ole">
             <mc:AlternateContent xmlns:mc="http://schemas.openxmlformats.org/markup-compatibility/2006">
               <mc:Choice xmlns:v="urn:schemas-microsoft-com:vml" Requires="v">
-                <p:oleObj spid="_x0000_s6149" name="Equation" r:id="rId5" imgW="2006280" imgH="736560" progId="Equation.DSMT4">
+                <p:oleObj spid="_x0000_s6147" name="Equation" r:id="rId5" imgW="2006280" imgH="736560" progId="Equation.DSMT4">
                   <p:embed/>
                 </p:oleObj>
               </mc:Choice>
@@ -7765,7 +7791,7 @@
           <a:graphicData uri="http://schemas.openxmlformats.org/presentationml/2006/ole">
             <mc:AlternateContent xmlns:mc="http://schemas.openxmlformats.org/markup-compatibility/2006">
               <mc:Choice xmlns:v="urn:schemas-microsoft-com:vml" Requires="v">
-                <p:oleObj spid="_x0000_s7173" name="Equation" r:id="rId3" imgW="850680" imgH="342720" progId="Equation.DSMT4">
+                <p:oleObj spid="_x0000_s7170" name="Equation" r:id="rId3" imgW="850680" imgH="342720" progId="Equation.DSMT4">
                   <p:embed/>
                 </p:oleObj>
               </mc:Choice>
@@ -7848,7 +7874,7 @@
           <a:graphicData uri="http://schemas.openxmlformats.org/presentationml/2006/ole">
             <mc:AlternateContent xmlns:mc="http://schemas.openxmlformats.org/markup-compatibility/2006">
               <mc:Choice xmlns:v="urn:schemas-microsoft-com:vml" Requires="v">
-                <p:oleObj spid="_x0000_s7174" name="Equation" r:id="rId5" imgW="838080" imgH="342720" progId="Equation.DSMT4">
+                <p:oleObj spid="_x0000_s7171" name="Equation" r:id="rId5" imgW="838080" imgH="342720" progId="Equation.DSMT4">
                   <p:embed/>
                 </p:oleObj>
               </mc:Choice>
@@ -7931,7 +7957,7 @@
           <a:graphicData uri="http://schemas.openxmlformats.org/presentationml/2006/ole">
             <mc:AlternateContent xmlns:mc="http://schemas.openxmlformats.org/markup-compatibility/2006">
               <mc:Choice xmlns:v="urn:schemas-microsoft-com:vml" Requires="v">
-                <p:oleObj spid="_x0000_s7175" name="Equation" r:id="rId7" imgW="825480" imgH="342720" progId="Equation.DSMT4">
+                <p:oleObj spid="_x0000_s7172" name="Equation" r:id="rId7" imgW="825480" imgH="342720" progId="Equation.DSMT4">
                   <p:embed/>
                 </p:oleObj>
               </mc:Choice>
@@ -8626,7 +8652,7 @@
           <a:graphicData uri="http://schemas.openxmlformats.org/presentationml/2006/ole">
             <mc:AlternateContent xmlns:mc="http://schemas.openxmlformats.org/markup-compatibility/2006">
               <mc:Choice xmlns:v="urn:schemas-microsoft-com:vml" Requires="v">
-                <p:oleObj spid="_x0000_s8195" name="Equation" r:id="rId3" imgW="1612800" imgH="342720" progId="Equation.DSMT4">
+                <p:oleObj spid="_x0000_s8194" name="Equation" r:id="rId3" imgW="1612800" imgH="342720" progId="Equation.DSMT4">
                   <p:embed/>
                 </p:oleObj>
               </mc:Choice>
@@ -9474,7 +9500,7 @@
           <a:graphicData uri="http://schemas.openxmlformats.org/presentationml/2006/ole">
             <mc:AlternateContent xmlns:mc="http://schemas.openxmlformats.org/markup-compatibility/2006">
               <mc:Choice xmlns:v="urn:schemas-microsoft-com:vml" Requires="v">
-                <p:oleObj spid="_x0000_s9219" name="Equation" r:id="rId3" imgW="1244520" imgH="342720" progId="Equation.DSMT4">
+                <p:oleObj spid="_x0000_s9218" name="Equation" r:id="rId3" imgW="1244520" imgH="342720" progId="Equation.DSMT4">
                   <p:embed/>
                 </p:oleObj>
               </mc:Choice>
@@ -10365,10 +10391,6 @@
               <a:rPr kumimoji="0" lang="ko-KR" altLang="en-US" dirty="0"/>
               <a:t>장</a:t>
             </a:r>
-            <a:r>
-              <a:rPr kumimoji="0" lang="en-US" altLang="ko-KR" dirty="0"/>
-              <a:t/>
-            </a:r>
             <a:br>
               <a:rPr kumimoji="0" lang="en-US" altLang="ko-KR" dirty="0"/>
             </a:br>
@@ -13901,7 +13923,7 @@
           <a:graphicData uri="http://schemas.openxmlformats.org/presentationml/2006/ole">
             <mc:AlternateContent xmlns:mc="http://schemas.openxmlformats.org/markup-compatibility/2006">
               <mc:Choice xmlns:v="urn:schemas-microsoft-com:vml" Requires="v">
-                <p:oleObj spid="_x0000_s1027" name="Equation" r:id="rId5" imgW="1434960" imgH="342720" progId="Equation.DSMT4">
+                <p:oleObj spid="_x0000_s1026" name="Equation" r:id="rId5" imgW="1434960" imgH="342720" progId="Equation.DSMT4">
                   <p:embed/>
                 </p:oleObj>
               </mc:Choice>
@@ -14615,7 +14637,7 @@
           <a:graphicData uri="http://schemas.openxmlformats.org/presentationml/2006/ole">
             <mc:AlternateContent xmlns:mc="http://schemas.openxmlformats.org/markup-compatibility/2006">
               <mc:Choice xmlns:v="urn:schemas-microsoft-com:vml" Requires="v">
-                <p:oleObj spid="_x0000_s2051" name="Equation" r:id="rId3" imgW="1485720" imgH="342720" progId="Equation.DSMT4">
+                <p:oleObj spid="_x0000_s2050" name="Equation" r:id="rId3" imgW="1485720" imgH="342720" progId="Equation.DSMT4">
                   <p:embed/>
                 </p:oleObj>
               </mc:Choice>
@@ -14894,7 +14916,7 @@
           <a:graphicData uri="http://schemas.openxmlformats.org/presentationml/2006/ole">
             <mc:AlternateContent xmlns:mc="http://schemas.openxmlformats.org/markup-compatibility/2006">
               <mc:Choice xmlns:v="urn:schemas-microsoft-com:vml" Requires="v">
-                <p:oleObj spid="_x0000_s3075" name="Equation" r:id="rId4" imgW="1473120" imgH="342720" progId="Equation.DSMT4">
+                <p:oleObj spid="_x0000_s3074" name="Equation" r:id="rId4" imgW="1473120" imgH="342720" progId="Equation.DSMT4">
                   <p:embed/>
                 </p:oleObj>
               </mc:Choice>
@@ -15940,7 +15962,7 @@
           <a:graphicData uri="http://schemas.openxmlformats.org/presentationml/2006/ole">
             <mc:AlternateContent xmlns:mc="http://schemas.openxmlformats.org/markup-compatibility/2006">
               <mc:Choice xmlns:v="urn:schemas-microsoft-com:vml" Requires="v">
-                <p:oleObj spid="_x0000_s4101" name="Equation" r:id="rId3" imgW="1777680" imgH="342720" progId="Equation.DSMT4">
+                <p:oleObj spid="_x0000_s4098" name="Equation" r:id="rId3" imgW="1777680" imgH="342720" progId="Equation.DSMT4">
                   <p:embed/>
                 </p:oleObj>
               </mc:Choice>
@@ -15997,7 +16019,7 @@
           <a:graphicData uri="http://schemas.openxmlformats.org/presentationml/2006/ole">
             <mc:AlternateContent xmlns:mc="http://schemas.openxmlformats.org/markup-compatibility/2006">
               <mc:Choice xmlns:v="urn:schemas-microsoft-com:vml" Requires="v">
-                <p:oleObj spid="_x0000_s4102" name="Equation" r:id="rId5" imgW="1777680" imgH="342720" progId="Equation.DSMT4">
+                <p:oleObj spid="_x0000_s4099" name="Equation" r:id="rId5" imgW="1777680" imgH="342720" progId="Equation.DSMT4">
                   <p:embed/>
                 </p:oleObj>
               </mc:Choice>
@@ -16061,7 +16083,7 @@
           <a:graphicData uri="http://schemas.openxmlformats.org/presentationml/2006/ole">
             <mc:AlternateContent xmlns:mc="http://schemas.openxmlformats.org/markup-compatibility/2006">
               <mc:Choice xmlns:v="urn:schemas-microsoft-com:vml" Requires="v">
-                <p:oleObj spid="_x0000_s4103" name="Equation" r:id="rId7" imgW="1777680" imgH="342720" progId="Equation.DSMT4">
+                <p:oleObj spid="_x0000_s4100" name="Equation" r:id="rId7" imgW="1777680" imgH="342720" progId="Equation.DSMT4">
                   <p:embed/>
                 </p:oleObj>
               </mc:Choice>
